--- a/3d models/__Deflame.pptx
+++ b/3d models/__Deflame.pptx
@@ -198,7 +198,7 @@
           <a:p>
             <a:fld id="{E5742A41-E671-4430-BD11-9C70C9E0B339}" type="datetimeFigureOut">
               <a:rPr lang="en-CA" smtClean="0"/>
-              <a:t>2025-05-16</a:t>
+              <a:t>2025-05-17</a:t>
             </a:fld>
             <a:endParaRPr lang="en-CA"/>
           </a:p>
@@ -597,7 +597,7 @@
           <a:p>
             <a:fld id="{E174D934-5F45-4F20-9FDF-AE6396442B39}" type="datetimeFigureOut">
               <a:rPr lang="en-CA" smtClean="0"/>
-              <a:t>2025-05-16</a:t>
+              <a:t>2025-05-17</a:t>
             </a:fld>
             <a:endParaRPr lang="en-CA"/>
           </a:p>
@@ -767,7 +767,7 @@
           <a:p>
             <a:fld id="{E174D934-5F45-4F20-9FDF-AE6396442B39}" type="datetimeFigureOut">
               <a:rPr lang="en-CA" smtClean="0"/>
-              <a:t>2025-05-16</a:t>
+              <a:t>2025-05-17</a:t>
             </a:fld>
             <a:endParaRPr lang="en-CA"/>
           </a:p>
@@ -947,7 +947,7 @@
           <a:p>
             <a:fld id="{E174D934-5F45-4F20-9FDF-AE6396442B39}" type="datetimeFigureOut">
               <a:rPr lang="en-CA" smtClean="0"/>
-              <a:t>2025-05-16</a:t>
+              <a:t>2025-05-17</a:t>
             </a:fld>
             <a:endParaRPr lang="en-CA"/>
           </a:p>
@@ -1117,7 +1117,7 @@
           <a:p>
             <a:fld id="{E174D934-5F45-4F20-9FDF-AE6396442B39}" type="datetimeFigureOut">
               <a:rPr lang="en-CA" smtClean="0"/>
-              <a:t>2025-05-16</a:t>
+              <a:t>2025-05-17</a:t>
             </a:fld>
             <a:endParaRPr lang="en-CA"/>
           </a:p>
@@ -1363,7 +1363,7 @@
           <a:p>
             <a:fld id="{E174D934-5F45-4F20-9FDF-AE6396442B39}" type="datetimeFigureOut">
               <a:rPr lang="en-CA" smtClean="0"/>
-              <a:t>2025-05-16</a:t>
+              <a:t>2025-05-17</a:t>
             </a:fld>
             <a:endParaRPr lang="en-CA"/>
           </a:p>
@@ -1595,7 +1595,7 @@
           <a:p>
             <a:fld id="{E174D934-5F45-4F20-9FDF-AE6396442B39}" type="datetimeFigureOut">
               <a:rPr lang="en-CA" smtClean="0"/>
-              <a:t>2025-05-16</a:t>
+              <a:t>2025-05-17</a:t>
             </a:fld>
             <a:endParaRPr lang="en-CA"/>
           </a:p>
@@ -1962,7 +1962,7 @@
           <a:p>
             <a:fld id="{E174D934-5F45-4F20-9FDF-AE6396442B39}" type="datetimeFigureOut">
               <a:rPr lang="en-CA" smtClean="0"/>
-              <a:t>2025-05-16</a:t>
+              <a:t>2025-05-17</a:t>
             </a:fld>
             <a:endParaRPr lang="en-CA"/>
           </a:p>
@@ -2080,7 +2080,7 @@
           <a:p>
             <a:fld id="{E174D934-5F45-4F20-9FDF-AE6396442B39}" type="datetimeFigureOut">
               <a:rPr lang="en-CA" smtClean="0"/>
-              <a:t>2025-05-16</a:t>
+              <a:t>2025-05-17</a:t>
             </a:fld>
             <a:endParaRPr lang="en-CA"/>
           </a:p>
@@ -2175,7 +2175,7 @@
           <a:p>
             <a:fld id="{E174D934-5F45-4F20-9FDF-AE6396442B39}" type="datetimeFigureOut">
               <a:rPr lang="en-CA" smtClean="0"/>
-              <a:t>2025-05-16</a:t>
+              <a:t>2025-05-17</a:t>
             </a:fld>
             <a:endParaRPr lang="en-CA"/>
           </a:p>
@@ -2452,7 +2452,7 @@
           <a:p>
             <a:fld id="{E174D934-5F45-4F20-9FDF-AE6396442B39}" type="datetimeFigureOut">
               <a:rPr lang="en-CA" smtClean="0"/>
-              <a:t>2025-05-16</a:t>
+              <a:t>2025-05-17</a:t>
             </a:fld>
             <a:endParaRPr lang="en-CA"/>
           </a:p>
@@ -2709,7 +2709,7 @@
           <a:p>
             <a:fld id="{E174D934-5F45-4F20-9FDF-AE6396442B39}" type="datetimeFigureOut">
               <a:rPr lang="en-CA" smtClean="0"/>
-              <a:t>2025-05-16</a:t>
+              <a:t>2025-05-17</a:t>
             </a:fld>
             <a:endParaRPr lang="en-CA"/>
           </a:p>
@@ -2922,7 +2922,7 @@
           <a:p>
             <a:fld id="{E174D934-5F45-4F20-9FDF-AE6396442B39}" type="datetimeFigureOut">
               <a:rPr lang="en-CA" smtClean="0"/>
-              <a:t>2025-05-16</a:t>
+              <a:t>2025-05-17</a:t>
             </a:fld>
             <a:endParaRPr lang="en-CA"/>
           </a:p>
@@ -3410,7 +3410,7 @@
       </p:pic>
       <p:pic>
         <p:nvPicPr>
-          <p:cNvPr id="7" name="Picture 5">
+          <p:cNvPr id="7" name="2s">
             <a:extLst>
               <a:ext uri="{FF2B5EF4-FFF2-40B4-BE49-F238E27FC236}">
                 <a16:creationId xmlns:a16="http://schemas.microsoft.com/office/drawing/2014/main" id="{A3E0B0DF-5721-0543-F743-458BB8CA9F7B}"/>
@@ -3471,6 +3471,14 @@
   <p:clrMapOvr>
     <a:masterClrMapping/>
   </p:clrMapOvr>
+  <mc:AlternateContent xmlns:mc="http://schemas.openxmlformats.org/markup-compatibility/2006" xmlns:p14="http://schemas.microsoft.com/office/powerpoint/2010/main">
+    <mc:Choice Requires="p14">
+      <p:transition spd="slow" p14:dur="3000"/>
+    </mc:Choice>
+    <mc:Fallback xmlns="">
+      <p:transition spd="slow"/>
+    </mc:Fallback>
+  </mc:AlternateContent>
   <p:timing>
     <p:tnLst>
       <p:par>
@@ -3495,14 +3503,14 @@
                             </p:stCondLst>
                             <p:childTnLst>
                               <p:par>
-                                <p:cTn id="5" presetID="10" presetClass="exit" presetSubtype="0" fill="hold" nodeType="withEffect">
+                                <p:cTn id="5" presetID="6" presetClass="exit" presetSubtype="32" fill="hold" nodeType="withEffect">
                                   <p:stCondLst>
                                     <p:cond delay="0"/>
                                   </p:stCondLst>
                                   <p:childTnLst>
-                                    <p:animEffect transition="out" filter="fade">
+                                    <p:animEffect transition="out" filter="circle(out)">
                                       <p:cBhvr>
-                                        <p:cTn id="6" dur="3000"/>
+                                        <p:cTn id="6" dur="2000"/>
                                         <p:tgtEl>
                                           <p:spTgt spid="7"/>
                                         </p:tgtEl>
@@ -3512,7 +3520,7 @@
                                       <p:cBhvr>
                                         <p:cTn id="7" dur="1" fill="hold">
                                           <p:stCondLst>
-                                            <p:cond delay="2999"/>
+                                            <p:cond delay="1999"/>
                                           </p:stCondLst>
                                         </p:cTn>
                                         <p:tgtEl>
@@ -3530,14 +3538,14 @@
                                 </p:cTn>
                               </p:par>
                               <p:par>
-                                <p:cTn id="8" presetID="10" presetClass="exit" presetSubtype="0" fill="hold" nodeType="withEffect">
+                                <p:cTn id="8" presetID="6" presetClass="exit" presetSubtype="32" fill="hold" nodeType="withEffect">
                                   <p:stCondLst>
                                     <p:cond delay="0"/>
                                   </p:stCondLst>
                                   <p:childTnLst>
-                                    <p:animEffect transition="out" filter="fade">
+                                    <p:animEffect transition="out" filter="circle(out)">
                                       <p:cBhvr>
-                                        <p:cTn id="9" dur="3000"/>
+                                        <p:cTn id="9" dur="2000"/>
                                         <p:tgtEl>
                                           <p:spTgt spid="1029"/>
                                         </p:tgtEl>
@@ -3547,7 +3555,7 @@
                                       <p:cBhvr>
                                         <p:cTn id="10" dur="1" fill="hold">
                                           <p:stCondLst>
-                                            <p:cond delay="2999"/>
+                                            <p:cond delay="1999"/>
                                           </p:stCondLst>
                                         </p:cTn>
                                         <p:tgtEl>
